--- a/DG_02 Turn Coffee into Code_Intro.pptx
+++ b/DG_02 Turn Coffee into Code_Intro.pptx
@@ -113,7 +113,7 @@
   </p:defaultTextStyle>
   <p:extLst>
     <p:ext uri="{EFAFB233-063F-42B5-8137-9DF3F51BA10A}">
-      <p15:sldGuideLst xmlns:p15="http://schemas.microsoft.com/office/powerpoint/2012/main" xmlns="">
+      <p15:sldGuideLst xmlns="" xmlns:p15="http://schemas.microsoft.com/office/powerpoint/2012/main">
         <p15:guide id="1" orient="horz" pos="2160">
           <p15:clr>
             <a:srgbClr val="A4A3A4"/>
@@ -212,7 +212,7 @@
           <a:p>
             <a:fld id="{78C00125-7AA2-BF47-9592-BD0EA1380ED7}" type="datetimeFigureOut">
               <a:rPr lang="en-US" smtClean="0"/>
-              <a:t>5/22/2022</a:t>
+              <a:t>5/23/2022</a:t>
             </a:fld>
             <a:endParaRPr lang="en-US"/>
           </a:p>
@@ -2629,7 +2629,7 @@
             <a:fld id="{28E80666-FB37-4B36-9149-507F3B0178E3}" type="datetimeFigureOut">
               <a:rPr lang="en-US" smtClean="0"/>
               <a:pPr/>
-              <a:t>5/22/2022</a:t>
+              <a:t>5/23/2022</a:t>
             </a:fld>
             <a:endParaRPr lang="en-US"/>
           </a:p>
@@ -2811,7 +2811,7 @@
           <a:p>
             <a:fld id="{05DB9FB3-5BB2-724E-A037-6C88DDC21847}" type="datetimeFigureOut">
               <a:rPr lang="en-US" smtClean="0"/>
-              <a:t>5/22/2022</a:t>
+              <a:t>5/23/2022</a:t>
             </a:fld>
             <a:endParaRPr lang="en-US"/>
           </a:p>
@@ -2962,7 +2962,7 @@
           <a:p>
             <a:fld id="{05DB9FB3-5BB2-724E-A037-6C88DDC21847}" type="datetimeFigureOut">
               <a:rPr lang="en-US" smtClean="0"/>
-              <a:t>5/22/2022</a:t>
+              <a:t>5/23/2022</a:t>
             </a:fld>
             <a:endParaRPr lang="en-US"/>
           </a:p>
@@ -4788,7 +4788,7 @@
           <a:p>
             <a:fld id="{05DB9FB3-5BB2-724E-A037-6C88DDC21847}" type="datetimeFigureOut">
               <a:rPr lang="en-US" smtClean="0"/>
-              <a:t>5/22/2022</a:t>
+              <a:t>5/23/2022</a:t>
             </a:fld>
             <a:endParaRPr lang="en-US"/>
           </a:p>
@@ -6659,7 +6659,7 @@
             <a:fld id="{28E80666-FB37-4B36-9149-507F3B0178E3}" type="datetimeFigureOut">
               <a:rPr lang="en-US" smtClean="0"/>
               <a:pPr/>
-              <a:t>5/22/2022</a:t>
+              <a:t>5/23/2022</a:t>
             </a:fld>
             <a:endParaRPr lang="en-US"/>
           </a:p>
@@ -6773,7 +6773,7 @@
           <a:p>
             <a:fld id="{05DB9FB3-5BB2-724E-A037-6C88DDC21847}" type="datetimeFigureOut">
               <a:rPr lang="en-US" smtClean="0"/>
-              <a:t>5/22/2022</a:t>
+              <a:t>5/23/2022</a:t>
             </a:fld>
             <a:endParaRPr lang="en-US"/>
           </a:p>
@@ -7314,7 +7314,7 @@
           <a:p>
             <a:fld id="{05DB9FB3-5BB2-724E-A037-6C88DDC21847}" type="datetimeFigureOut">
               <a:rPr lang="en-US" smtClean="0"/>
-              <a:t>5/22/2022</a:t>
+              <a:t>5/23/2022</a:t>
             </a:fld>
             <a:endParaRPr lang="en-US"/>
           </a:p>
@@ -7427,7 +7427,7 @@
           <a:p>
             <a:fld id="{05DB9FB3-5BB2-724E-A037-6C88DDC21847}" type="datetimeFigureOut">
               <a:rPr lang="en-US" smtClean="0"/>
-              <a:t>5/22/2022</a:t>
+              <a:t>5/23/2022</a:t>
             </a:fld>
             <a:endParaRPr lang="en-US"/>
           </a:p>
@@ -9138,7 +9138,7 @@
           <a:p>
             <a:fld id="{05DB9FB3-5BB2-724E-A037-6C88DDC21847}" type="datetimeFigureOut">
               <a:rPr lang="en-US" smtClean="0"/>
-              <a:t>5/22/2022</a:t>
+              <a:t>5/23/2022</a:t>
             </a:fld>
             <a:endParaRPr lang="en-US"/>
           </a:p>
@@ -9289,7 +9289,7 @@
           <a:p>
             <a:fld id="{05DB9FB3-5BB2-724E-A037-6C88DDC21847}" type="datetimeFigureOut">
               <a:rPr lang="en-US" smtClean="0"/>
-              <a:t>5/22/2022</a:t>
+              <a:t>5/23/2022</a:t>
             </a:fld>
             <a:endParaRPr lang="en-US"/>
           </a:p>
@@ -12904,7 +12904,7 @@
           <a:p>
             <a:fld id="{05DB9FB3-5BB2-724E-A037-6C88DDC21847}" type="datetimeFigureOut">
               <a:rPr lang="en-US" smtClean="0"/>
-              <a:t>5/22/2022</a:t>
+              <a:t>5/23/2022</a:t>
             </a:fld>
             <a:endParaRPr lang="en-US"/>
           </a:p>
@@ -14763,7 +14763,7 @@
           <a:p>
             <a:fld id="{05DB9FB3-5BB2-724E-A037-6C88DDC21847}" type="datetimeFigureOut">
               <a:rPr lang="en-US" smtClean="0"/>
-              <a:t>5/22/2022</a:t>
+              <a:t>5/23/2022</a:t>
             </a:fld>
             <a:endParaRPr lang="en-US"/>
           </a:p>
@@ -15550,7 +15550,7 @@
         <p:spPr>
           <a:xfrm>
             <a:off x="251585" y="2225662"/>
-            <a:ext cx="8637831" cy="3416320"/>
+            <a:ext cx="8637831" cy="4154984"/>
           </a:xfrm>
           <a:prstGeom prst="rect">
             <a:avLst/>
@@ -15647,7 +15647,28 @@
               <a:rPr lang="en-US" sz="2400" smtClean="0">
                 <a:latin typeface="Lucida Sans" panose="020B0602030504020204" pitchFamily="34" charset="0"/>
               </a:rPr>
-              <a:t>print("£$%^KJHFG")</a:t>
+              <a:t>print("£$%^KJHFG</a:t>
+            </a:r>
+            <a:r>
+              <a:rPr lang="en-US" sz="2400" smtClean="0">
+                <a:latin typeface="Lucida Sans" panose="020B0602030504020204" pitchFamily="34" charset="0"/>
+              </a:rPr>
+              <a:t>")</a:t>
+            </a:r>
+          </a:p>
+          <a:p>
+            <a:pPr lvl="0"/>
+            <a:endParaRPr lang="en-US" sz="2400">
+              <a:latin typeface="Lucida Sans" panose="020B0602030504020204" pitchFamily="34" charset="0"/>
+            </a:endParaRPr>
+          </a:p>
+          <a:p>
+            <a:pPr lvl="0"/>
+            <a:r>
+              <a:rPr lang="en-US" sz="2400" smtClean="0">
+                <a:latin typeface="Lucida Sans" panose="020B0602030504020204" pitchFamily="34" charset="0"/>
+              </a:rPr>
+              <a:t># NOTE: def's must come before we call the functions</a:t>
             </a:r>
             <a:endParaRPr lang="en-US" sz="2400">
               <a:latin typeface="Lucida Sans" panose="020B0602030504020204" pitchFamily="34" charset="0"/>
@@ -15969,8 +15990,8 @@
         </p:nvSpPr>
         <p:spPr>
           <a:xfrm>
-            <a:off x="508000" y="2825826"/>
-            <a:ext cx="8105645" cy="3046988"/>
+            <a:off x="508000" y="2316526"/>
+            <a:ext cx="8105645" cy="3785652"/>
           </a:xfrm>
           <a:prstGeom prst="rect">
             <a:avLst/>
@@ -15983,8 +16004,21 @@
           <a:lstStyle/>
           <a:p>
             <a:r>
+              <a:rPr lang="en-GB" sz="2400" smtClean="0"/>
+              <a:t># your def's...</a:t>
+            </a:r>
+          </a:p>
+          <a:p>
+            <a:endParaRPr lang="en-GB" sz="2400" smtClean="0"/>
+          </a:p>
+          <a:p>
+            <a:r>
+              <a:rPr lang="en-GB" sz="2400" smtClean="0"/>
+              <a:t>code </a:t>
+            </a:r>
+            <a:r>
               <a:rPr lang="en-GB" sz="2400"/>
-              <a:t>code = ""</a:t>
+              <a:t>= ""</a:t>
             </a:r>
           </a:p>
           <a:p>
